--- a/计量1.pptx
+++ b/计量1.pptx
@@ -5201,6 +5201,103 @@
       </p:grpSpPr>
       <p:sp>
         <p:nvSpPr>
+          <p:cNvPr id="2" name="幻灯片图像占位符 1"/>
+          <p:cNvSpPr>
+            <a:spLocks noGrp="1" noRot="1" noChangeAspect="1"/>
+          </p:cNvSpPr>
+          <p:nvPr>
+            <p:ph type="sldImg"/>
+          </p:nvPr>
+        </p:nvSpPr>
+        <p:spPr/>
+      </p:sp>
+      <p:sp>
+        <p:nvSpPr>
+          <p:cNvPr id="3" name="备注占位符 2"/>
+          <p:cNvSpPr>
+            <a:spLocks noGrp="1"/>
+          </p:cNvSpPr>
+          <p:nvPr>
+            <p:ph type="body" idx="1"/>
+          </p:nvPr>
+        </p:nvSpPr>
+        <p:spPr/>
+        <p:txBody>
+          <a:bodyPr/>
+          <a:lstStyle/>
+          <a:p>
+            <a:r>
+              <a:rPr lang="en-US" altLang="zh-CN" dirty="0"/>
+              <a:t>\beta </a:t>
+            </a:r>
+            <a:r>
+              <a:rPr lang="zh-CN" altLang="en-US" dirty="0"/>
+              <a:t>是常数，所以</a:t>
+            </a:r>
+            <a:r>
+              <a:rPr lang="en-US" altLang="zh-CN" dirty="0"/>
+              <a:t>var(beta)=0</a:t>
+            </a:r>
+            <a:endParaRPr lang="zh-CN" altLang="en-US" dirty="0"/>
+          </a:p>
+        </p:txBody>
+      </p:sp>
+      <p:sp>
+        <p:nvSpPr>
+          <p:cNvPr id="4" name="灯片编号占位符 3"/>
+          <p:cNvSpPr>
+            <a:spLocks noGrp="1"/>
+          </p:cNvSpPr>
+          <p:nvPr>
+            <p:ph type="sldNum" sz="quarter" idx="5"/>
+          </p:nvPr>
+        </p:nvSpPr>
+        <p:spPr/>
+        <p:txBody>
+          <a:bodyPr/>
+          <a:lstStyle/>
+          <a:p>
+            <a:fld id="{4F8F0715-B755-4255-9FF5-B88A10DBD778}" type="slidenum">
+              <a:rPr lang="en-US" smtClean="0"/>
+              <a:pPr/>
+              <a:t>72</a:t>
+            </a:fld>
+            <a:endParaRPr lang="en-US"/>
+          </a:p>
+        </p:txBody>
+      </p:sp>
+    </p:spTree>
+    <p:extLst>
+      <p:ext uri="{BB962C8B-B14F-4D97-AF65-F5344CB8AC3E}">
+        <p14:creationId xmlns:p14="http://schemas.microsoft.com/office/powerpoint/2010/main" val="514906884"/>
+      </p:ext>
+    </p:extLst>
+  </p:cSld>
+  <p:clrMapOvr>
+    <a:masterClrMapping/>
+  </p:clrMapOvr>
+</p:notes>
+</file>
+
+<file path=ppt/notesSlides/notesSlide48.xml><?xml version="1.0" encoding="utf-8"?>
+<p:notes xmlns:a="http://schemas.openxmlformats.org/drawingml/2006/main" xmlns:r="http://schemas.openxmlformats.org/officeDocument/2006/relationships" xmlns:p="http://schemas.openxmlformats.org/presentationml/2006/main">
+  <p:cSld>
+    <p:spTree>
+      <p:nvGrpSpPr>
+        <p:cNvPr id="1" name=""/>
+        <p:cNvGrpSpPr/>
+        <p:nvPr/>
+      </p:nvGrpSpPr>
+      <p:grpSpPr>
+        <a:xfrm>
+          <a:off x="0" y="0"/>
+          <a:ext cx="0" cy="0"/>
+          <a:chOff x="0" y="0"/>
+          <a:chExt cx="0" cy="0"/>
+        </a:xfrm>
+      </p:grpSpPr>
+      <p:sp>
+        <p:nvSpPr>
           <p:cNvPr id="37890" name="Slide Image Placeholder 1"/>
           <p:cNvSpPr>
             <a:spLocks noGrp="1" noRot="1" noChangeAspect="1" noTextEdit="1"/>
@@ -5251,7 +5348,35 @@
           <a:lstStyle/>
           <a:p>
             <a:pPr eaLnBrk="1" hangingPunct="1"/>
-            <a:endParaRPr lang="en-US"/>
+            <a:r>
+              <a:rPr lang="zh-CN" altLang="en-US" dirty="0"/>
+              <a:t>利用迹，</a:t>
+            </a:r>
+            <a:r>
+              <a:rPr lang="en-US" altLang="zh-CN" sz="1200" b="0" i="0" u="none" strike="noStrike" kern="1200" dirty="0" err="1">
+                <a:solidFill>
+                  <a:schemeClr val="tx1"/>
+                </a:solidFill>
+                <a:effectLst/>
+                <a:latin typeface="Arial" charset="0"/>
+                <a:ea typeface="+mn-ea"/>
+                <a:cs typeface="+mn-cs"/>
+              </a:rPr>
+              <a:t>ε′Mε</a:t>
+            </a:r>
+            <a:r>
+              <a:rPr lang="zh-CN" altLang="en-US" sz="1200" b="0" i="0" u="none" strike="noStrike" kern="1200" dirty="0">
+                <a:solidFill>
+                  <a:schemeClr val="tx1"/>
+                </a:solidFill>
+                <a:effectLst/>
+                <a:latin typeface="Arial" charset="0"/>
+                <a:ea typeface="+mn-ea"/>
+                <a:cs typeface="+mn-cs"/>
+              </a:rPr>
+              <a:t>最终是一个一阶矩阵，那它的迹就是这个数</a:t>
+            </a:r>
+            <a:endParaRPr lang="en-US" dirty="0"/>
           </a:p>
         </p:txBody>
       </p:sp>
@@ -5406,7 +5531,238 @@
 </p:notes>
 </file>
 
-<file path=ppt/notesSlides/notesSlide48.xml><?xml version="1.0" encoding="utf-8"?>
+<file path=ppt/notesSlides/notesSlide49.xml><?xml version="1.0" encoding="utf-8"?>
+<p:notes xmlns:a="http://schemas.openxmlformats.org/drawingml/2006/main" xmlns:r="http://schemas.openxmlformats.org/officeDocument/2006/relationships" xmlns:p="http://schemas.openxmlformats.org/presentationml/2006/main">
+  <p:cSld>
+    <p:spTree>
+      <p:nvGrpSpPr>
+        <p:cNvPr id="1" name=""/>
+        <p:cNvGrpSpPr/>
+        <p:nvPr/>
+      </p:nvGrpSpPr>
+      <p:grpSpPr>
+        <a:xfrm>
+          <a:off x="0" y="0"/>
+          <a:ext cx="0" cy="0"/>
+          <a:chOff x="0" y="0"/>
+          <a:chExt cx="0" cy="0"/>
+        </a:xfrm>
+      </p:grpSpPr>
+      <p:sp>
+        <p:nvSpPr>
+          <p:cNvPr id="2" name="幻灯片图像占位符 1"/>
+          <p:cNvSpPr>
+            <a:spLocks noGrp="1" noRot="1" noChangeAspect="1"/>
+          </p:cNvSpPr>
+          <p:nvPr>
+            <p:ph type="sldImg"/>
+          </p:nvPr>
+        </p:nvSpPr>
+        <p:spPr/>
+      </p:sp>
+      <p:sp>
+        <p:nvSpPr>
+          <p:cNvPr id="3" name="备注占位符 2"/>
+          <p:cNvSpPr>
+            <a:spLocks noGrp="1"/>
+          </p:cNvSpPr>
+          <p:nvPr>
+            <p:ph type="body" idx="1"/>
+          </p:nvPr>
+        </p:nvSpPr>
+        <p:spPr/>
+        <p:txBody>
+          <a:bodyPr/>
+          <a:lstStyle/>
+          <a:p>
+            <a:r>
+              <a:rPr lang="en-US" altLang="zh-CN" dirty="0"/>
+              <a:t>F(b)</a:t>
+            </a:r>
+            <a:r>
+              <a:rPr lang="zh-CN" altLang="en-US" dirty="0"/>
+              <a:t>关于</a:t>
+            </a:r>
+            <a:r>
+              <a:rPr lang="en-US" altLang="zh-CN" dirty="0"/>
+              <a:t>b</a:t>
+            </a:r>
+            <a:r>
+              <a:rPr lang="zh-CN" altLang="en-US" dirty="0"/>
+              <a:t>向量求导，等于关于</a:t>
+            </a:r>
+            <a:r>
+              <a:rPr lang="en-US" altLang="zh-CN" dirty="0"/>
+              <a:t>b</a:t>
+            </a:r>
+            <a:r>
+              <a:rPr lang="zh-CN" altLang="en-US" dirty="0"/>
+              <a:t>的每个分量</a:t>
+            </a:r>
+            <a:r>
+              <a:rPr lang="en-US" altLang="zh-CN" dirty="0"/>
+              <a:t>b1,…,bp</a:t>
+            </a:r>
+            <a:r>
+              <a:rPr lang="zh-CN" altLang="en-US" dirty="0"/>
+              <a:t>求偏导，然后按</a:t>
+            </a:r>
+            <a:r>
+              <a:rPr lang="en-US" altLang="zh-CN" dirty="0"/>
+              <a:t>b</a:t>
+            </a:r>
+            <a:r>
+              <a:rPr lang="zh-CN" altLang="en-US" dirty="0"/>
+              <a:t>的排列方式进行排列。若</a:t>
+            </a:r>
+            <a:r>
+              <a:rPr lang="en-US" altLang="zh-CN" dirty="0"/>
+              <a:t>b</a:t>
+            </a:r>
+            <a:r>
+              <a:rPr lang="zh-CN" altLang="en-US" dirty="0"/>
+              <a:t>为行向量，则求导后为行向量。</a:t>
+            </a:r>
+            <a:endParaRPr lang="en-US" altLang="zh-CN" dirty="0"/>
+          </a:p>
+          <a:p>
+            <a:endParaRPr lang="en-US" altLang="zh-CN" dirty="0"/>
+          </a:p>
+          <a:p>
+            <a:r>
+              <a:rPr lang="en-US" altLang="zh-CN" dirty="0"/>
+              <a:t>Q=X’X/n</a:t>
+            </a:r>
+            <a:endParaRPr lang="zh-CN" altLang="en-US" dirty="0"/>
+          </a:p>
+        </p:txBody>
+      </p:sp>
+      <p:sp>
+        <p:nvSpPr>
+          <p:cNvPr id="4" name="灯片编号占位符 3"/>
+          <p:cNvSpPr>
+            <a:spLocks noGrp="1"/>
+          </p:cNvSpPr>
+          <p:nvPr>
+            <p:ph type="sldNum" sz="quarter" idx="5"/>
+          </p:nvPr>
+        </p:nvSpPr>
+        <p:spPr/>
+        <p:txBody>
+          <a:bodyPr/>
+          <a:lstStyle/>
+          <a:p>
+            <a:fld id="{4F8F0715-B755-4255-9FF5-B88A10DBD778}" type="slidenum">
+              <a:rPr lang="en-US" smtClean="0"/>
+              <a:pPr/>
+              <a:t>76</a:t>
+            </a:fld>
+            <a:endParaRPr lang="en-US"/>
+          </a:p>
+        </p:txBody>
+      </p:sp>
+    </p:spTree>
+    <p:extLst>
+      <p:ext uri="{BB962C8B-B14F-4D97-AF65-F5344CB8AC3E}">
+        <p14:creationId xmlns:p14="http://schemas.microsoft.com/office/powerpoint/2010/main" val="391121217"/>
+      </p:ext>
+    </p:extLst>
+  </p:cSld>
+  <p:clrMapOvr>
+    <a:masterClrMapping/>
+  </p:clrMapOvr>
+</p:notes>
+</file>
+
+<file path=ppt/notesSlides/notesSlide5.xml><?xml version="1.0" encoding="utf-8"?>
+<p:notes xmlns:a="http://schemas.openxmlformats.org/drawingml/2006/main" xmlns:r="http://schemas.openxmlformats.org/officeDocument/2006/relationships" xmlns:p="http://schemas.openxmlformats.org/presentationml/2006/main">
+  <p:cSld>
+    <p:spTree>
+      <p:nvGrpSpPr>
+        <p:cNvPr id="1" name=""/>
+        <p:cNvGrpSpPr/>
+        <p:nvPr/>
+      </p:nvGrpSpPr>
+      <p:grpSpPr>
+        <a:xfrm>
+          <a:off x="0" y="0"/>
+          <a:ext cx="0" cy="0"/>
+          <a:chOff x="0" y="0"/>
+          <a:chExt cx="0" cy="0"/>
+        </a:xfrm>
+      </p:grpSpPr>
+      <p:sp>
+        <p:nvSpPr>
+          <p:cNvPr id="59394" name="Slide Image Placeholder 1"/>
+          <p:cNvSpPr>
+            <a:spLocks noGrp="1" noRot="1" noChangeAspect="1" noTextEdit="1"/>
+          </p:cNvSpPr>
+          <p:nvPr>
+            <p:ph type="sldImg"/>
+          </p:nvPr>
+        </p:nvSpPr>
+        <p:spPr>
+          <a:ln/>
+        </p:spPr>
+      </p:sp>
+      <p:sp>
+        <p:nvSpPr>
+          <p:cNvPr id="59395" name="Notes Placeholder 2"/>
+          <p:cNvSpPr>
+            <a:spLocks noGrp="1"/>
+          </p:cNvSpPr>
+          <p:nvPr>
+            <p:ph type="body" idx="1"/>
+          </p:nvPr>
+        </p:nvSpPr>
+        <p:spPr>
+          <a:noFill/>
+          <a:ln/>
+        </p:spPr>
+        <p:txBody>
+          <a:bodyPr/>
+          <a:lstStyle/>
+          <a:p>
+            <a:pPr eaLnBrk="1" hangingPunct="1"/>
+            <a:endParaRPr lang="en-US"/>
+          </a:p>
+        </p:txBody>
+      </p:sp>
+      <p:sp>
+        <p:nvSpPr>
+          <p:cNvPr id="59396" name="Slide Number Placeholder 3"/>
+          <p:cNvSpPr>
+            <a:spLocks noGrp="1"/>
+          </p:cNvSpPr>
+          <p:nvPr>
+            <p:ph type="sldNum" sz="quarter" idx="5"/>
+          </p:nvPr>
+        </p:nvSpPr>
+        <p:spPr>
+          <a:noFill/>
+        </p:spPr>
+        <p:txBody>
+          <a:bodyPr/>
+          <a:lstStyle/>
+          <a:p>
+            <a:fld id="{8C4556A0-E8E9-4326-8453-7BDC871CEEB4}" type="slidenum">
+              <a:rPr lang="en-US" smtClean="0"/>
+              <a:pPr/>
+              <a:t>12</a:t>
+            </a:fld>
+            <a:endParaRPr lang="en-US"/>
+          </a:p>
+        </p:txBody>
+      </p:sp>
+    </p:spTree>
+  </p:cSld>
+  <p:clrMapOvr>
+    <a:masterClrMapping/>
+  </p:clrMapOvr>
+</p:notes>
+</file>
+
+<file path=ppt/notesSlides/notesSlide50.xml><?xml version="1.0" encoding="utf-8"?>
 <p:notes xmlns:a="http://schemas.openxmlformats.org/drawingml/2006/main" xmlns:r="http://schemas.openxmlformats.org/officeDocument/2006/relationships" xmlns:p="http://schemas.openxmlformats.org/presentationml/2006/main">
   <p:cSld>
     <p:spTree>
@@ -5630,7 +5986,7 @@
 </p:notes>
 </file>
 
-<file path=ppt/notesSlides/notesSlide49.xml><?xml version="1.0" encoding="utf-8"?>
+<file path=ppt/notesSlides/notesSlide51.xml><?xml version="1.0" encoding="utf-8"?>
 <p:notes xmlns:a="http://schemas.openxmlformats.org/drawingml/2006/main" xmlns:r="http://schemas.openxmlformats.org/officeDocument/2006/relationships" xmlns:p="http://schemas.openxmlformats.org/presentationml/2006/main">
   <p:cSld>
     <p:spTree>
@@ -5699,7 +6055,134 @@
           <a:lstStyle/>
           <a:p>
             <a:pPr eaLnBrk="1" hangingPunct="1"/>
-            <a:endParaRPr lang="en-US"/>
+            <a:r>
+              <a:rPr lang="zh-CN" altLang="en-US" dirty="0"/>
+              <a:t>若</a:t>
+            </a:r>
+            <a:r>
+              <a:rPr lang="en-US" altLang="zh-CN" dirty="0"/>
+              <a:t>Beta2=0</a:t>
+            </a:r>
+            <a:r>
+              <a:rPr lang="zh-CN" altLang="en-US" dirty="0"/>
+              <a:t>，或者</a:t>
+            </a:r>
+            <a:r>
+              <a:rPr lang="en-US" altLang="zh-CN" dirty="0"/>
+              <a:t>X1</a:t>
+            </a:r>
+            <a:r>
+              <a:rPr lang="zh-CN" altLang="en-US" dirty="0"/>
+              <a:t>和</a:t>
+            </a:r>
+            <a:r>
+              <a:rPr lang="en-US" altLang="zh-CN" dirty="0"/>
+              <a:t>X2</a:t>
+            </a:r>
+            <a:r>
+              <a:rPr lang="zh-CN" altLang="en-US" dirty="0"/>
+              <a:t>无关，则</a:t>
+            </a:r>
+            <a:r>
+              <a:rPr lang="en-US" altLang="zh-CN" dirty="0"/>
+              <a:t>b1</a:t>
+            </a:r>
+            <a:r>
+              <a:rPr lang="zh-CN" altLang="en-US" dirty="0"/>
+              <a:t>仍为</a:t>
+            </a:r>
+            <a:r>
+              <a:rPr lang="en-US" altLang="zh-CN" dirty="0"/>
+              <a:t>beta1</a:t>
+            </a:r>
+            <a:r>
+              <a:rPr lang="zh-CN" altLang="en-US" dirty="0"/>
+              <a:t>的无偏估计</a:t>
+            </a:r>
+            <a:r>
+              <a:rPr lang="en-US" altLang="zh-CN" dirty="0"/>
+              <a:t>,</a:t>
+            </a:r>
+          </a:p>
+          <a:p>
+            <a:pPr eaLnBrk="1" hangingPunct="1"/>
+            <a:r>
+              <a:rPr lang="zh-CN" altLang="en-US" dirty="0"/>
+              <a:t>增加变量不改变无偏性，但增大系数估计量的方差</a:t>
+            </a:r>
+            <a:endParaRPr lang="en-US" altLang="zh-CN" dirty="0"/>
+          </a:p>
+          <a:p>
+            <a:pPr eaLnBrk="1" hangingPunct="1"/>
+            <a:endParaRPr lang="en-US" dirty="0"/>
+          </a:p>
+          <a:p>
+            <a:pPr eaLnBrk="1" hangingPunct="1"/>
+            <a:r>
+              <a:rPr lang="zh-CN" altLang="en-US" dirty="0"/>
+              <a:t> </a:t>
+            </a:r>
+            <a:r>
+              <a:rPr lang="en-US" altLang="zh-CN" dirty="0"/>
+              <a:t>Var[b</a:t>
+            </a:r>
+            <a:r>
+              <a:rPr lang="en-US" altLang="zh-CN" baseline="-25000" dirty="0"/>
+              <a:t>1</a:t>
+            </a:r>
+            <a:r>
+              <a:rPr lang="en-US" altLang="zh-CN" dirty="0"/>
+              <a:t>] </a:t>
+            </a:r>
+            <a:r>
+              <a:rPr lang="zh-CN" altLang="en-US" dirty="0"/>
+              <a:t>≤ </a:t>
+            </a:r>
+            <a:r>
+              <a:rPr lang="en-US" altLang="zh-CN" dirty="0"/>
+              <a:t>Var[b</a:t>
+            </a:r>
+            <a:r>
+              <a:rPr lang="en-US" altLang="zh-CN" baseline="-25000" dirty="0"/>
+              <a:t>1.2</a:t>
+            </a:r>
+            <a:r>
+              <a:rPr lang="en-US" altLang="zh-CN" dirty="0"/>
+              <a:t>]</a:t>
+            </a:r>
+            <a:r>
+              <a:rPr lang="zh-CN" altLang="en-US" dirty="0"/>
+              <a:t>，其中</a:t>
+            </a:r>
+            <a:r>
+              <a:rPr lang="en-US" altLang="zh-CN" dirty="0"/>
+              <a:t>b1</a:t>
+            </a:r>
+            <a:r>
+              <a:rPr lang="zh-CN" altLang="en-US" dirty="0"/>
+              <a:t>是模型只含</a:t>
+            </a:r>
+            <a:r>
+              <a:rPr lang="en-US" altLang="zh-CN" dirty="0"/>
+              <a:t>X1,b1.2</a:t>
+            </a:r>
+            <a:r>
+              <a:rPr lang="zh-CN" altLang="en-US" dirty="0"/>
+              <a:t>指模型含有</a:t>
+            </a:r>
+            <a:r>
+              <a:rPr lang="en-US" altLang="zh-CN" dirty="0"/>
+              <a:t>X1</a:t>
+            </a:r>
+            <a:r>
+              <a:rPr lang="zh-CN" altLang="en-US" dirty="0"/>
+              <a:t>和</a:t>
+            </a:r>
+            <a:r>
+              <a:rPr lang="en-US" altLang="zh-CN" dirty="0"/>
+              <a:t>X2</a:t>
+            </a:r>
+            <a:endParaRPr lang="en-US" dirty="0"/>
           </a:p>
         </p:txBody>
       </p:sp>
@@ -5854,95 +6337,7 @@
 </p:notes>
 </file>
 
-<file path=ppt/notesSlides/notesSlide5.xml><?xml version="1.0" encoding="utf-8"?>
-<p:notes xmlns:a="http://schemas.openxmlformats.org/drawingml/2006/main" xmlns:r="http://schemas.openxmlformats.org/officeDocument/2006/relationships" xmlns:p="http://schemas.openxmlformats.org/presentationml/2006/main">
-  <p:cSld>
-    <p:spTree>
-      <p:nvGrpSpPr>
-        <p:cNvPr id="1" name=""/>
-        <p:cNvGrpSpPr/>
-        <p:nvPr/>
-      </p:nvGrpSpPr>
-      <p:grpSpPr>
-        <a:xfrm>
-          <a:off x="0" y="0"/>
-          <a:ext cx="0" cy="0"/>
-          <a:chOff x="0" y="0"/>
-          <a:chExt cx="0" cy="0"/>
-        </a:xfrm>
-      </p:grpSpPr>
-      <p:sp>
-        <p:nvSpPr>
-          <p:cNvPr id="59394" name="Slide Image Placeholder 1"/>
-          <p:cNvSpPr>
-            <a:spLocks noGrp="1" noRot="1" noChangeAspect="1" noTextEdit="1"/>
-          </p:cNvSpPr>
-          <p:nvPr>
-            <p:ph type="sldImg"/>
-          </p:nvPr>
-        </p:nvSpPr>
-        <p:spPr>
-          <a:ln/>
-        </p:spPr>
-      </p:sp>
-      <p:sp>
-        <p:nvSpPr>
-          <p:cNvPr id="59395" name="Notes Placeholder 2"/>
-          <p:cNvSpPr>
-            <a:spLocks noGrp="1"/>
-          </p:cNvSpPr>
-          <p:nvPr>
-            <p:ph type="body" idx="1"/>
-          </p:nvPr>
-        </p:nvSpPr>
-        <p:spPr>
-          <a:noFill/>
-          <a:ln/>
-        </p:spPr>
-        <p:txBody>
-          <a:bodyPr/>
-          <a:lstStyle/>
-          <a:p>
-            <a:pPr eaLnBrk="1" hangingPunct="1"/>
-            <a:endParaRPr lang="en-US"/>
-          </a:p>
-        </p:txBody>
-      </p:sp>
-      <p:sp>
-        <p:nvSpPr>
-          <p:cNvPr id="59396" name="Slide Number Placeholder 3"/>
-          <p:cNvSpPr>
-            <a:spLocks noGrp="1"/>
-          </p:cNvSpPr>
-          <p:nvPr>
-            <p:ph type="sldNum" sz="quarter" idx="5"/>
-          </p:nvPr>
-        </p:nvSpPr>
-        <p:spPr>
-          <a:noFill/>
-        </p:spPr>
-        <p:txBody>
-          <a:bodyPr/>
-          <a:lstStyle/>
-          <a:p>
-            <a:fld id="{8C4556A0-E8E9-4326-8453-7BDC871CEEB4}" type="slidenum">
-              <a:rPr lang="en-US" smtClean="0"/>
-              <a:pPr/>
-              <a:t>12</a:t>
-            </a:fld>
-            <a:endParaRPr lang="en-US"/>
-          </a:p>
-        </p:txBody>
-      </p:sp>
-    </p:spTree>
-  </p:cSld>
-  <p:clrMapOvr>
-    <a:masterClrMapping/>
-  </p:clrMapOvr>
-</p:notes>
-</file>
-
-<file path=ppt/notesSlides/notesSlide50.xml><?xml version="1.0" encoding="utf-8"?>
+<file path=ppt/notesSlides/notesSlide52.xml><?xml version="1.0" encoding="utf-8"?>
 <p:notes xmlns:a="http://schemas.openxmlformats.org/drawingml/2006/main" xmlns:r="http://schemas.openxmlformats.org/officeDocument/2006/relationships" xmlns:p="http://schemas.openxmlformats.org/presentationml/2006/main">
   <p:cSld>
     <p:spTree>
@@ -6166,7 +6561,7 @@
 </p:notes>
 </file>
 
-<file path=ppt/notesSlides/notesSlide51.xml><?xml version="1.0" encoding="utf-8"?>
+<file path=ppt/notesSlides/notesSlide53.xml><?xml version="1.0" encoding="utf-8"?>
 <p:notes xmlns:a="http://schemas.openxmlformats.org/drawingml/2006/main" xmlns:r="http://schemas.openxmlformats.org/officeDocument/2006/relationships" xmlns:p="http://schemas.openxmlformats.org/presentationml/2006/main">
   <p:cSld>
     <p:spTree>
@@ -6390,7 +6785,7 @@
 </p:notes>
 </file>
 
-<file path=ppt/notesSlides/notesSlide52.xml><?xml version="1.0" encoding="utf-8"?>
+<file path=ppt/notesSlides/notesSlide54.xml><?xml version="1.0" encoding="utf-8"?>
 <p:notes xmlns:a="http://schemas.openxmlformats.org/drawingml/2006/main" xmlns:r="http://schemas.openxmlformats.org/officeDocument/2006/relationships" xmlns:p="http://schemas.openxmlformats.org/presentationml/2006/main">
   <p:cSld>
     <p:spTree>
@@ -6478,7 +6873,7 @@
 </p:notes>
 </file>
 
-<file path=ppt/notesSlides/notesSlide53.xml><?xml version="1.0" encoding="utf-8"?>
+<file path=ppt/notesSlides/notesSlide55.xml><?xml version="1.0" encoding="utf-8"?>
 <p:notes xmlns:a="http://schemas.openxmlformats.org/drawingml/2006/main" xmlns:r="http://schemas.openxmlformats.org/officeDocument/2006/relationships" xmlns:p="http://schemas.openxmlformats.org/presentationml/2006/main">
   <p:cSld>
     <p:spTree>
@@ -6566,7 +6961,7 @@
 </p:notes>
 </file>
 
-<file path=ppt/notesSlides/notesSlide54.xml><?xml version="1.0" encoding="utf-8"?>
+<file path=ppt/notesSlides/notesSlide56.xml><?xml version="1.0" encoding="utf-8"?>
 <p:notes xmlns:a="http://schemas.openxmlformats.org/drawingml/2006/main" xmlns:r="http://schemas.openxmlformats.org/officeDocument/2006/relationships" xmlns:p="http://schemas.openxmlformats.org/presentationml/2006/main">
   <p:cSld>
     <p:spTree>
@@ -6912,7 +7307,7 @@
 </p:notes>
 </file>
 
-<file path=ppt/notesSlides/notesSlide55.xml><?xml version="1.0" encoding="utf-8"?>
+<file path=ppt/notesSlides/notesSlide57.xml><?xml version="1.0" encoding="utf-8"?>
 <p:notes xmlns:a="http://schemas.openxmlformats.org/drawingml/2006/main" xmlns:r="http://schemas.openxmlformats.org/officeDocument/2006/relationships" xmlns:p="http://schemas.openxmlformats.org/presentationml/2006/main">
   <p:cSld>
     <p:spTree>
@@ -6962,7 +7357,23 @@
           <a:lstStyle/>
           <a:p>
             <a:pPr eaLnBrk="1" hangingPunct="1"/>
-            <a:endParaRPr lang="en-US"/>
+            <a:r>
+              <a:rPr lang="zh-CN" altLang="en-US" dirty="0"/>
+              <a:t>分组回归与交互项建模各自的利弊</a:t>
+            </a:r>
+            <a:endParaRPr lang="en-US" altLang="zh-CN" dirty="0"/>
+          </a:p>
+          <a:p>
+            <a:pPr eaLnBrk="1" hangingPunct="1"/>
+            <a:r>
+              <a:rPr lang="en-US" altLang="zh-CN" dirty="0"/>
+              <a:t>X1*(beta1-beta2)</a:t>
+            </a:r>
+            <a:r>
+              <a:rPr lang="zh-CN" altLang="en-US" dirty="0"/>
+              <a:t>表示除了性别不同，其余条件一样，但系数存在差异，表示性别造成的差异</a:t>
+            </a:r>
+            <a:endParaRPr lang="en-US" dirty="0"/>
           </a:p>
         </p:txBody>
       </p:sp>
@@ -7000,7 +7411,7 @@
 </p:notes>
 </file>
 
-<file path=ppt/notesSlides/notesSlide56.xml><?xml version="1.0" encoding="utf-8"?>
+<file path=ppt/notesSlides/notesSlide58.xml><?xml version="1.0" encoding="utf-8"?>
 <p:notes xmlns:a="http://schemas.openxmlformats.org/drawingml/2006/main" xmlns:r="http://schemas.openxmlformats.org/officeDocument/2006/relationships" xmlns:p="http://schemas.openxmlformats.org/presentationml/2006/main">
   <p:cSld>
     <p:spTree>
@@ -7088,7 +7499,7 @@
 </p:notes>
 </file>
 
-<file path=ppt/notesSlides/notesSlide57.xml><?xml version="1.0" encoding="utf-8"?>
+<file path=ppt/notesSlides/notesSlide59.xml><?xml version="1.0" encoding="utf-8"?>
 <p:notes xmlns:a="http://schemas.openxmlformats.org/drawingml/2006/main" xmlns:r="http://schemas.openxmlformats.org/officeDocument/2006/relationships" xmlns:p="http://schemas.openxmlformats.org/presentationml/2006/main">
   <p:cSld>
     <p:spTree>
@@ -7175,7 +7586,95 @@
 </p:notes>
 </file>
 
-<file path=ppt/notesSlides/notesSlide58.xml><?xml version="1.0" encoding="utf-8"?>
+<file path=ppt/notesSlides/notesSlide6.xml><?xml version="1.0" encoding="utf-8"?>
+<p:notes xmlns:a="http://schemas.openxmlformats.org/drawingml/2006/main" xmlns:r="http://schemas.openxmlformats.org/officeDocument/2006/relationships" xmlns:p="http://schemas.openxmlformats.org/presentationml/2006/main">
+  <p:cSld>
+    <p:spTree>
+      <p:nvGrpSpPr>
+        <p:cNvPr id="1" name=""/>
+        <p:cNvGrpSpPr/>
+        <p:nvPr/>
+      </p:nvGrpSpPr>
+      <p:grpSpPr>
+        <a:xfrm>
+          <a:off x="0" y="0"/>
+          <a:ext cx="0" cy="0"/>
+          <a:chOff x="0" y="0"/>
+          <a:chExt cx="0" cy="0"/>
+        </a:xfrm>
+      </p:grpSpPr>
+      <p:sp>
+        <p:nvSpPr>
+          <p:cNvPr id="60418" name="Slide Image Placeholder 1"/>
+          <p:cNvSpPr>
+            <a:spLocks noGrp="1" noRot="1" noChangeAspect="1" noTextEdit="1"/>
+          </p:cNvSpPr>
+          <p:nvPr>
+            <p:ph type="sldImg"/>
+          </p:nvPr>
+        </p:nvSpPr>
+        <p:spPr>
+          <a:ln/>
+        </p:spPr>
+      </p:sp>
+      <p:sp>
+        <p:nvSpPr>
+          <p:cNvPr id="60419" name="Notes Placeholder 2"/>
+          <p:cNvSpPr>
+            <a:spLocks noGrp="1"/>
+          </p:cNvSpPr>
+          <p:nvPr>
+            <p:ph type="body" idx="1"/>
+          </p:nvPr>
+        </p:nvSpPr>
+        <p:spPr>
+          <a:noFill/>
+          <a:ln/>
+        </p:spPr>
+        <p:txBody>
+          <a:bodyPr/>
+          <a:lstStyle/>
+          <a:p>
+            <a:pPr eaLnBrk="1" hangingPunct="1"/>
+            <a:endParaRPr lang="en-US"/>
+          </a:p>
+        </p:txBody>
+      </p:sp>
+      <p:sp>
+        <p:nvSpPr>
+          <p:cNvPr id="60420" name="Slide Number Placeholder 3"/>
+          <p:cNvSpPr>
+            <a:spLocks noGrp="1"/>
+          </p:cNvSpPr>
+          <p:nvPr>
+            <p:ph type="sldNum" sz="quarter" idx="5"/>
+          </p:nvPr>
+        </p:nvSpPr>
+        <p:spPr>
+          <a:noFill/>
+        </p:spPr>
+        <p:txBody>
+          <a:bodyPr/>
+          <a:lstStyle/>
+          <a:p>
+            <a:fld id="{412A3482-0628-4A8A-BCA4-122CFF23193F}" type="slidenum">
+              <a:rPr lang="en-US" smtClean="0"/>
+              <a:pPr/>
+              <a:t>13</a:t>
+            </a:fld>
+            <a:endParaRPr lang="en-US"/>
+          </a:p>
+        </p:txBody>
+      </p:sp>
+    </p:spTree>
+  </p:cSld>
+  <p:clrMapOvr>
+    <a:masterClrMapping/>
+  </p:clrMapOvr>
+</p:notes>
+</file>
+
+<file path=ppt/notesSlides/notesSlide60.xml><?xml version="1.0" encoding="utf-8"?>
 <p:notes xmlns:a="http://schemas.openxmlformats.org/drawingml/2006/main" xmlns:r="http://schemas.openxmlformats.org/officeDocument/2006/relationships" xmlns:p="http://schemas.openxmlformats.org/presentationml/2006/main">
   <p:cSld>
     <p:spTree>
@@ -7399,7 +7898,7 @@
 </p:notes>
 </file>
 
-<file path=ppt/notesSlides/notesSlide59.xml><?xml version="1.0" encoding="utf-8"?>
+<file path=ppt/notesSlides/notesSlide61.xml><?xml version="1.0" encoding="utf-8"?>
 <p:notes xmlns:a="http://schemas.openxmlformats.org/drawingml/2006/main" xmlns:r="http://schemas.openxmlformats.org/officeDocument/2006/relationships" xmlns:p="http://schemas.openxmlformats.org/presentationml/2006/main">
   <p:cSld>
     <p:spTree>
@@ -7487,95 +7986,7 @@
 </p:notes>
 </file>
 
-<file path=ppt/notesSlides/notesSlide6.xml><?xml version="1.0" encoding="utf-8"?>
-<p:notes xmlns:a="http://schemas.openxmlformats.org/drawingml/2006/main" xmlns:r="http://schemas.openxmlformats.org/officeDocument/2006/relationships" xmlns:p="http://schemas.openxmlformats.org/presentationml/2006/main">
-  <p:cSld>
-    <p:spTree>
-      <p:nvGrpSpPr>
-        <p:cNvPr id="1" name=""/>
-        <p:cNvGrpSpPr/>
-        <p:nvPr/>
-      </p:nvGrpSpPr>
-      <p:grpSpPr>
-        <a:xfrm>
-          <a:off x="0" y="0"/>
-          <a:ext cx="0" cy="0"/>
-          <a:chOff x="0" y="0"/>
-          <a:chExt cx="0" cy="0"/>
-        </a:xfrm>
-      </p:grpSpPr>
-      <p:sp>
-        <p:nvSpPr>
-          <p:cNvPr id="60418" name="Slide Image Placeholder 1"/>
-          <p:cNvSpPr>
-            <a:spLocks noGrp="1" noRot="1" noChangeAspect="1" noTextEdit="1"/>
-          </p:cNvSpPr>
-          <p:nvPr>
-            <p:ph type="sldImg"/>
-          </p:nvPr>
-        </p:nvSpPr>
-        <p:spPr>
-          <a:ln/>
-        </p:spPr>
-      </p:sp>
-      <p:sp>
-        <p:nvSpPr>
-          <p:cNvPr id="60419" name="Notes Placeholder 2"/>
-          <p:cNvSpPr>
-            <a:spLocks noGrp="1"/>
-          </p:cNvSpPr>
-          <p:nvPr>
-            <p:ph type="body" idx="1"/>
-          </p:nvPr>
-        </p:nvSpPr>
-        <p:spPr>
-          <a:noFill/>
-          <a:ln/>
-        </p:spPr>
-        <p:txBody>
-          <a:bodyPr/>
-          <a:lstStyle/>
-          <a:p>
-            <a:pPr eaLnBrk="1" hangingPunct="1"/>
-            <a:endParaRPr lang="en-US"/>
-          </a:p>
-        </p:txBody>
-      </p:sp>
-      <p:sp>
-        <p:nvSpPr>
-          <p:cNvPr id="60420" name="Slide Number Placeholder 3"/>
-          <p:cNvSpPr>
-            <a:spLocks noGrp="1"/>
-          </p:cNvSpPr>
-          <p:nvPr>
-            <p:ph type="sldNum" sz="quarter" idx="5"/>
-          </p:nvPr>
-        </p:nvSpPr>
-        <p:spPr>
-          <a:noFill/>
-        </p:spPr>
-        <p:txBody>
-          <a:bodyPr/>
-          <a:lstStyle/>
-          <a:p>
-            <a:fld id="{412A3482-0628-4A8A-BCA4-122CFF23193F}" type="slidenum">
-              <a:rPr lang="en-US" smtClean="0"/>
-              <a:pPr/>
-              <a:t>13</a:t>
-            </a:fld>
-            <a:endParaRPr lang="en-US"/>
-          </a:p>
-        </p:txBody>
-      </p:sp>
-    </p:spTree>
-  </p:cSld>
-  <p:clrMapOvr>
-    <a:masterClrMapping/>
-  </p:clrMapOvr>
-</p:notes>
-</file>
-
-<file path=ppt/notesSlides/notesSlide60.xml><?xml version="1.0" encoding="utf-8"?>
+<file path=ppt/notesSlides/notesSlide62.xml><?xml version="1.0" encoding="utf-8"?>
 <p:notes xmlns:a="http://schemas.openxmlformats.org/drawingml/2006/main" xmlns:r="http://schemas.openxmlformats.org/officeDocument/2006/relationships" xmlns:p="http://schemas.openxmlformats.org/presentationml/2006/main">
   <p:cSld>
     <p:spTree>
@@ -7663,7 +8074,7 @@
 </p:notes>
 </file>
 
-<file path=ppt/notesSlides/notesSlide61.xml><?xml version="1.0" encoding="utf-8"?>
+<file path=ppt/notesSlides/notesSlide63.xml><?xml version="1.0" encoding="utf-8"?>
 <p:notes xmlns:a="http://schemas.openxmlformats.org/drawingml/2006/main" xmlns:r="http://schemas.openxmlformats.org/officeDocument/2006/relationships" xmlns:p="http://schemas.openxmlformats.org/presentationml/2006/main">
   <p:cSld>
     <p:spTree>
@@ -7751,7 +8162,7 @@
 </p:notes>
 </file>
 
-<file path=ppt/notesSlides/notesSlide62.xml><?xml version="1.0" encoding="utf-8"?>
+<file path=ppt/notesSlides/notesSlide64.xml><?xml version="1.0" encoding="utf-8"?>
 <p:notes xmlns:a="http://schemas.openxmlformats.org/drawingml/2006/main" xmlns:r="http://schemas.openxmlformats.org/officeDocument/2006/relationships" xmlns:p="http://schemas.openxmlformats.org/presentationml/2006/main">
   <p:cSld>
     <p:spTree>
@@ -13667,7 +14078,7 @@
           <a:graphicData uri="http://schemas.openxmlformats.org/presentationml/2006/ole">
             <mc:AlternateContent xmlns:mc="http://schemas.openxmlformats.org/markup-compatibility/2006">
               <mc:Choice xmlns:v="urn:schemas-microsoft-com:vml" Requires="v">
-                <p:oleObj spid="_x0000_s320521" name="Equation" r:id="rId4" imgW="2451100" imgH="812800" progId="">
+                <p:oleObj spid="_x0000_s320524" name="Equation" r:id="rId4" imgW="2451100" imgH="812800" progId="">
                   <p:embed/>
                 </p:oleObj>
               </mc:Choice>
@@ -15143,7 +15554,7 @@
           <a:graphicData uri="http://schemas.openxmlformats.org/presentationml/2006/ole">
             <mc:AlternateContent xmlns:mc="http://schemas.openxmlformats.org/markup-compatibility/2006">
               <mc:Choice xmlns:v="urn:schemas-microsoft-com:vml" Requires="v">
-                <p:oleObj spid="_x0000_s321545" name="Equation" r:id="rId3" imgW="1981080" imgH="355320" progId="Equation.DSMT4">
+                <p:oleObj spid="_x0000_s321548" name="Equation" r:id="rId3" imgW="1981080" imgH="355320" progId="Equation.DSMT4">
                   <p:embed/>
                 </p:oleObj>
               </mc:Choice>
@@ -18260,7 +18671,7 @@
           <a:graphicData uri="http://schemas.openxmlformats.org/presentationml/2006/ole">
             <mc:AlternateContent xmlns:mc="http://schemas.openxmlformats.org/markup-compatibility/2006">
               <mc:Choice xmlns:v="urn:schemas-microsoft-com:vml" Requires="v">
-                <p:oleObj spid="_x0000_s159830" name="公式" r:id="rId3" imgW="901440" imgH="253800" progId="Equation.3">
+                <p:oleObj spid="_x0000_s159848" name="公式" r:id="rId3" imgW="901440" imgH="253800" progId="Equation.3">
                   <p:embed/>
                 </p:oleObj>
               </mc:Choice>
@@ -18330,7 +18741,7 @@
           <a:graphicData uri="http://schemas.openxmlformats.org/presentationml/2006/ole">
             <mc:AlternateContent xmlns:mc="http://schemas.openxmlformats.org/markup-compatibility/2006">
               <mc:Choice xmlns:v="urn:schemas-microsoft-com:vml" Requires="v">
-                <p:oleObj spid="_x0000_s159831" name="公式" r:id="rId5" imgW="507960" imgH="241200" progId="Equation.3">
+                <p:oleObj spid="_x0000_s159849" name="公式" r:id="rId5" imgW="507960" imgH="241200" progId="Equation.3">
                   <p:embed/>
                 </p:oleObj>
               </mc:Choice>
@@ -18400,7 +18811,7 @@
           <a:graphicData uri="http://schemas.openxmlformats.org/presentationml/2006/ole">
             <mc:AlternateContent xmlns:mc="http://schemas.openxmlformats.org/markup-compatibility/2006">
               <mc:Choice xmlns:v="urn:schemas-microsoft-com:vml" Requires="v">
-                <p:oleObj spid="_x0000_s159832" name="公式" r:id="rId7" imgW="787320" imgH="241200" progId="Equation.3">
+                <p:oleObj spid="_x0000_s159850" name="公式" r:id="rId7" imgW="787320" imgH="241200" progId="Equation.3">
                   <p:embed/>
                 </p:oleObj>
               </mc:Choice>
@@ -18470,7 +18881,7 @@
           <a:graphicData uri="http://schemas.openxmlformats.org/presentationml/2006/ole">
             <mc:AlternateContent xmlns:mc="http://schemas.openxmlformats.org/markup-compatibility/2006">
               <mc:Choice xmlns:v="urn:schemas-microsoft-com:vml" Requires="v">
-                <p:oleObj spid="_x0000_s159833" name="公式" r:id="rId9" imgW="749160" imgH="241200" progId="Equation.3">
+                <p:oleObj spid="_x0000_s159851" name="公式" r:id="rId9" imgW="749160" imgH="241200" progId="Equation.3">
                   <p:embed/>
                 </p:oleObj>
               </mc:Choice>
@@ -18540,7 +18951,7 @@
           <a:graphicData uri="http://schemas.openxmlformats.org/presentationml/2006/ole">
             <mc:AlternateContent xmlns:mc="http://schemas.openxmlformats.org/markup-compatibility/2006">
               <mc:Choice xmlns:v="urn:schemas-microsoft-com:vml" Requires="v">
-                <p:oleObj spid="_x0000_s159834" name="公式" r:id="rId11" imgW="152280" imgH="203040" progId="Equation.3">
+                <p:oleObj spid="_x0000_s159852" name="公式" r:id="rId11" imgW="152280" imgH="203040" progId="Equation.3">
                   <p:embed/>
                 </p:oleObj>
               </mc:Choice>
@@ -18740,7 +19151,7 @@
           <a:graphicData uri="http://schemas.openxmlformats.org/presentationml/2006/ole">
             <mc:AlternateContent xmlns:mc="http://schemas.openxmlformats.org/markup-compatibility/2006">
               <mc:Choice xmlns:v="urn:schemas-microsoft-com:vml" Requires="v">
-                <p:oleObj spid="_x0000_s159835" name="公式" r:id="rId13" imgW="126720" imgH="177480" progId="Equation.3">
+                <p:oleObj spid="_x0000_s159853" name="公式" r:id="rId13" imgW="126720" imgH="177480" progId="Equation.3">
                   <p:embed/>
                 </p:oleObj>
               </mc:Choice>
@@ -19143,7 +19554,7 @@
           <a:graphicData uri="http://schemas.openxmlformats.org/presentationml/2006/ole">
             <mc:AlternateContent xmlns:mc="http://schemas.openxmlformats.org/markup-compatibility/2006">
               <mc:Choice xmlns:v="urn:schemas-microsoft-com:vml" Requires="v">
-                <p:oleObj spid="_x0000_s125984" name="Equation" r:id="rId5" imgW="457002" imgH="266584" progId="">
+                <p:oleObj spid="_x0000_s125990" name="Equation" r:id="rId5" imgW="457002" imgH="266584" progId="">
                   <p:embed/>
                 </p:oleObj>
               </mc:Choice>
@@ -19213,7 +19624,7 @@
           <a:graphicData uri="http://schemas.openxmlformats.org/presentationml/2006/ole">
             <mc:AlternateContent xmlns:mc="http://schemas.openxmlformats.org/markup-compatibility/2006">
               <mc:Choice xmlns:v="urn:schemas-microsoft-com:vml" Requires="v">
-                <p:oleObj spid="_x0000_s125985" name="Equation" r:id="rId7" imgW="482181" imgH="266469" progId="">
+                <p:oleObj spid="_x0000_s125991" name="Equation" r:id="rId7" imgW="482181" imgH="266469" progId="">
                   <p:embed/>
                 </p:oleObj>
               </mc:Choice>
@@ -19336,7 +19747,7 @@
           <a:graphicData uri="http://schemas.openxmlformats.org/presentationml/2006/ole">
             <mc:AlternateContent xmlns:mc="http://schemas.openxmlformats.org/markup-compatibility/2006">
               <mc:Choice xmlns:v="urn:schemas-microsoft-com:vml" Requires="v">
-                <p:oleObj spid="_x0000_s161822" name="Equation" r:id="rId4" imgW="3022600" imgH="1803400" progId="">
+                <p:oleObj spid="_x0000_s161828" name="Equation" r:id="rId4" imgW="3022600" imgH="1803400" progId="">
                   <p:embed/>
                 </p:oleObj>
               </mc:Choice>
@@ -19406,7 +19817,7 @@
           <a:graphicData uri="http://schemas.openxmlformats.org/presentationml/2006/ole">
             <mc:AlternateContent xmlns:mc="http://schemas.openxmlformats.org/markup-compatibility/2006">
               <mc:Choice xmlns:v="urn:schemas-microsoft-com:vml" Requires="v">
-                <p:oleObj spid="_x0000_s161823" name="Equation" r:id="rId6" imgW="3022600" imgH="1803400" progId="">
+                <p:oleObj spid="_x0000_s161829" name="Equation" r:id="rId6" imgW="3022600" imgH="1803400" progId="">
                   <p:embed/>
                 </p:oleObj>
               </mc:Choice>
@@ -19530,7 +19941,7 @@
           <a:graphicData uri="http://schemas.openxmlformats.org/presentationml/2006/ole">
             <mc:AlternateContent xmlns:mc="http://schemas.openxmlformats.org/markup-compatibility/2006">
               <mc:Choice xmlns:v="urn:schemas-microsoft-com:vml" Requires="v">
-                <p:oleObj spid="_x0000_s163884" name="Equation" r:id="rId4" imgW="3022600" imgH="2082800" progId="">
+                <p:oleObj spid="_x0000_s163893" name="Equation" r:id="rId4" imgW="3022600" imgH="2082800" progId="">
                   <p:embed/>
                 </p:oleObj>
               </mc:Choice>
@@ -19600,7 +20011,7 @@
           <a:graphicData uri="http://schemas.openxmlformats.org/presentationml/2006/ole">
             <mc:AlternateContent xmlns:mc="http://schemas.openxmlformats.org/markup-compatibility/2006">
               <mc:Choice xmlns:v="urn:schemas-microsoft-com:vml" Requires="v">
-                <p:oleObj spid="_x0000_s163885" name="Equation" r:id="rId6" imgW="3022600" imgH="2082800" progId="">
+                <p:oleObj spid="_x0000_s163894" name="Equation" r:id="rId6" imgW="3022600" imgH="2082800" progId="">
                   <p:embed/>
                 </p:oleObj>
               </mc:Choice>
@@ -19670,7 +20081,7 @@
           <a:graphicData uri="http://schemas.openxmlformats.org/presentationml/2006/ole">
             <mc:AlternateContent xmlns:mc="http://schemas.openxmlformats.org/markup-compatibility/2006">
               <mc:Choice xmlns:v="urn:schemas-microsoft-com:vml" Requires="v">
-                <p:oleObj spid="_x0000_s163886" name="Equation" r:id="rId7" imgW="3022600" imgH="2082800" progId="">
+                <p:oleObj spid="_x0000_s163895" name="Equation" r:id="rId7" imgW="3022600" imgH="2082800" progId="">
                   <p:embed/>
                 </p:oleObj>
               </mc:Choice>
@@ -20119,7 +20530,7 @@
           <a:graphicData uri="http://schemas.openxmlformats.org/presentationml/2006/ole">
             <mc:AlternateContent xmlns:mc="http://schemas.openxmlformats.org/markup-compatibility/2006">
               <mc:Choice xmlns:v="urn:schemas-microsoft-com:vml" Requires="v">
-                <p:oleObj spid="_x0000_s91152" name="Equation" r:id="rId4" imgW="1688367" imgH="393529" progId="">
+                <p:oleObj spid="_x0000_s91155" name="Equation" r:id="rId4" imgW="1688367" imgH="393529" progId="">
                   <p:embed/>
                 </p:oleObj>
               </mc:Choice>
@@ -30452,7 +30863,7 @@
           <a:graphicData uri="http://schemas.openxmlformats.org/presentationml/2006/ole">
             <mc:AlternateContent xmlns:mc="http://schemas.openxmlformats.org/markup-compatibility/2006">
               <mc:Choice xmlns:v="urn:schemas-microsoft-com:vml" Requires="v">
-                <p:oleObj spid="_x0000_s103459" name="Equation" r:id="rId5" imgW="190335" imgH="164957" progId="">
+                <p:oleObj spid="_x0000_s103465" name="Equation" r:id="rId5" imgW="190335" imgH="164957" progId="">
                   <p:embed/>
                 </p:oleObj>
               </mc:Choice>
@@ -30522,7 +30933,7 @@
           <a:graphicData uri="http://schemas.openxmlformats.org/presentationml/2006/ole">
             <mc:AlternateContent xmlns:mc="http://schemas.openxmlformats.org/markup-compatibility/2006">
               <mc:Choice xmlns:v="urn:schemas-microsoft-com:vml" Requires="v">
-                <p:oleObj spid="_x0000_s103460" name="Equation" r:id="rId7" imgW="101556" imgH="139639" progId="">
+                <p:oleObj spid="_x0000_s103466" name="Equation" r:id="rId7" imgW="101556" imgH="139639" progId="">
                   <p:embed/>
                 </p:oleObj>
               </mc:Choice>
@@ -31447,7 +31858,7 @@
           <a:graphicData uri="http://schemas.openxmlformats.org/presentationml/2006/ole">
             <mc:AlternateContent xmlns:mc="http://schemas.openxmlformats.org/markup-compatibility/2006">
               <mc:Choice xmlns:v="urn:schemas-microsoft-com:vml" Requires="v">
-                <p:oleObj spid="_x0000_s211985" r:id="rId4" imgW="2374900" imgH="482600" progId="">
+                <p:oleObj spid="_x0000_s211988" r:id="rId4" imgW="2374900" imgH="482600" progId="">
                   <p:embed/>
                 </p:oleObj>
               </mc:Choice>
@@ -32204,7 +32615,7 @@
           <a:graphicData uri="http://schemas.openxmlformats.org/presentationml/2006/ole">
             <mc:AlternateContent xmlns:mc="http://schemas.openxmlformats.org/markup-compatibility/2006">
               <mc:Choice xmlns:v="urn:schemas-microsoft-com:vml" Requires="v">
-                <p:oleObj spid="_x0000_s175221" r:id="rId4" imgW="1917700" imgH="228600" progId="">
+                <p:oleObj spid="_x0000_s175242" r:id="rId4" imgW="1917700" imgH="228600" progId="">
                   <p:embed/>
                 </p:oleObj>
               </mc:Choice>
@@ -32274,7 +32685,7 @@
           <a:graphicData uri="http://schemas.openxmlformats.org/presentationml/2006/ole">
             <mc:AlternateContent xmlns:mc="http://schemas.openxmlformats.org/markup-compatibility/2006">
               <mc:Choice xmlns:v="urn:schemas-microsoft-com:vml" Requires="v">
-                <p:oleObj spid="_x0000_s175222" r:id="rId6" imgW="2603500" imgH="241300" progId="">
+                <p:oleObj spid="_x0000_s175243" r:id="rId6" imgW="2603500" imgH="241300" progId="">
                   <p:embed/>
                 </p:oleObj>
               </mc:Choice>
@@ -32344,7 +32755,7 @@
           <a:graphicData uri="http://schemas.openxmlformats.org/presentationml/2006/ole">
             <mc:AlternateContent xmlns:mc="http://schemas.openxmlformats.org/markup-compatibility/2006">
               <mc:Choice xmlns:v="urn:schemas-microsoft-com:vml" Requires="v">
-                <p:oleObj spid="_x0000_s175223" r:id="rId8" imgW="1612900" imgH="241300" progId="">
+                <p:oleObj spid="_x0000_s175244" r:id="rId8" imgW="1612900" imgH="241300" progId="">
                   <p:embed/>
                 </p:oleObj>
               </mc:Choice>
@@ -32414,7 +32825,7 @@
           <a:graphicData uri="http://schemas.openxmlformats.org/presentationml/2006/ole">
             <mc:AlternateContent xmlns:mc="http://schemas.openxmlformats.org/markup-compatibility/2006">
               <mc:Choice xmlns:v="urn:schemas-microsoft-com:vml" Requires="v">
-                <p:oleObj spid="_x0000_s175224" r:id="rId10" imgW="3924300" imgH="241300" progId="">
+                <p:oleObj spid="_x0000_s175245" r:id="rId10" imgW="3924300" imgH="241300" progId="">
                   <p:embed/>
                 </p:oleObj>
               </mc:Choice>
@@ -32522,7 +32933,7 @@
           <a:graphicData uri="http://schemas.openxmlformats.org/presentationml/2006/ole">
             <mc:AlternateContent xmlns:mc="http://schemas.openxmlformats.org/markup-compatibility/2006">
               <mc:Choice xmlns:v="urn:schemas-microsoft-com:vml" Requires="v">
-                <p:oleObj spid="_x0000_s175225" r:id="rId12" imgW="3416300" imgH="241300" progId="">
+                <p:oleObj spid="_x0000_s175246" r:id="rId12" imgW="3416300" imgH="241300" progId="">
                   <p:embed/>
                 </p:oleObj>
               </mc:Choice>
@@ -32630,7 +33041,7 @@
           <a:graphicData uri="http://schemas.openxmlformats.org/presentationml/2006/ole">
             <mc:AlternateContent xmlns:mc="http://schemas.openxmlformats.org/markup-compatibility/2006">
               <mc:Choice xmlns:v="urn:schemas-microsoft-com:vml" Requires="v">
-                <p:oleObj spid="_x0000_s175226" r:id="rId14" imgW="3632200" imgH="736600" progId="">
+                <p:oleObj spid="_x0000_s175247" r:id="rId14" imgW="3632200" imgH="736600" progId="">
                   <p:embed/>
                 </p:oleObj>
               </mc:Choice>
@@ -32738,7 +33149,7 @@
           <a:graphicData uri="http://schemas.openxmlformats.org/presentationml/2006/ole">
             <mc:AlternateContent xmlns:mc="http://schemas.openxmlformats.org/markup-compatibility/2006">
               <mc:Choice xmlns:v="urn:schemas-microsoft-com:vml" Requires="v">
-                <p:oleObj spid="_x0000_s175227" r:id="rId16" imgW="1397000" imgH="241300" progId="">
+                <p:oleObj spid="_x0000_s175248" r:id="rId16" imgW="1397000" imgH="241300" progId="">
                   <p:embed/>
                 </p:oleObj>
               </mc:Choice>
@@ -34664,7 +35075,7 @@
           <a:graphicData uri="http://schemas.openxmlformats.org/presentationml/2006/ole">
             <mc:AlternateContent xmlns:mc="http://schemas.openxmlformats.org/markup-compatibility/2006">
               <mc:Choice xmlns:v="urn:schemas-microsoft-com:vml" Requires="v">
-                <p:oleObj spid="_x0000_s177168" name="Equation" r:id="rId4" imgW="2578100" imgH="1612900" progId="">
+                <p:oleObj spid="_x0000_s177171" name="Equation" r:id="rId4" imgW="2578100" imgH="1612900" progId="">
                   <p:embed/>
                 </p:oleObj>
               </mc:Choice>
@@ -35006,7 +35417,7 @@
           <a:graphicData uri="http://schemas.openxmlformats.org/presentationml/2006/ole">
             <mc:AlternateContent xmlns:mc="http://schemas.openxmlformats.org/markup-compatibility/2006">
               <mc:Choice xmlns:v="urn:schemas-microsoft-com:vml" Requires="v">
-                <p:oleObj spid="_x0000_s178206" name="Equation" r:id="rId4" imgW="2260600" imgH="1003300" progId="">
+                <p:oleObj spid="_x0000_s178212" name="Equation" r:id="rId4" imgW="2260600" imgH="1003300" progId="">
                   <p:embed/>
                 </p:oleObj>
               </mc:Choice>
@@ -35076,7 +35487,7 @@
           <a:graphicData uri="http://schemas.openxmlformats.org/presentationml/2006/ole">
             <mc:AlternateContent xmlns:mc="http://schemas.openxmlformats.org/markup-compatibility/2006">
               <mc:Choice xmlns:v="urn:schemas-microsoft-com:vml" Requires="v">
-                <p:oleObj spid="_x0000_s178207" name="Equation" r:id="rId6" imgW="2260600" imgH="1003300" progId="">
+                <p:oleObj spid="_x0000_s178213" name="Equation" r:id="rId6" imgW="2260600" imgH="1003300" progId="">
                   <p:embed/>
                 </p:oleObj>
               </mc:Choice>
@@ -35198,7 +35609,7 @@
           <a:graphicData uri="http://schemas.openxmlformats.org/presentationml/2006/ole">
             <mc:AlternateContent xmlns:mc="http://schemas.openxmlformats.org/markup-compatibility/2006">
               <mc:Choice xmlns:v="urn:schemas-microsoft-com:vml" Requires="v">
-                <p:oleObj spid="_x0000_s179216" name="Equation" r:id="rId4" imgW="4356100" imgH="2286000" progId="">
+                <p:oleObj spid="_x0000_s179219" name="Equation" r:id="rId4" imgW="4356100" imgH="2286000" progId="">
                   <p:embed/>
                 </p:oleObj>
               </mc:Choice>
@@ -35319,7 +35730,7 @@
           <a:graphicData uri="http://schemas.openxmlformats.org/presentationml/2006/ole">
             <mc:AlternateContent xmlns:mc="http://schemas.openxmlformats.org/markup-compatibility/2006">
               <mc:Choice xmlns:v="urn:schemas-microsoft-com:vml" Requires="v">
-                <p:oleObj spid="_x0000_s180240" name="Equation" r:id="rId4" imgW="3860800" imgH="635000" progId="">
+                <p:oleObj spid="_x0000_s180243" name="Equation" r:id="rId4" imgW="3860800" imgH="635000" progId="">
                   <p:embed/>
                 </p:oleObj>
               </mc:Choice>
@@ -35983,7 +36394,7 @@
           <a:graphicData uri="http://schemas.openxmlformats.org/presentationml/2006/ole">
             <mc:AlternateContent xmlns:mc="http://schemas.openxmlformats.org/markup-compatibility/2006">
               <mc:Choice xmlns:v="urn:schemas-microsoft-com:vml" Requires="v">
-                <p:oleObj spid="_x0000_s240698" name="Equation" r:id="rId4" imgW="698197" imgH="431613" progId="">
+                <p:oleObj spid="_x0000_s240710" name="Equation" r:id="rId4" imgW="698197" imgH="431613" progId="">
                   <p:embed/>
                 </p:oleObj>
               </mc:Choice>
@@ -36053,7 +36464,7 @@
           <a:graphicData uri="http://schemas.openxmlformats.org/presentationml/2006/ole">
             <mc:AlternateContent xmlns:mc="http://schemas.openxmlformats.org/markup-compatibility/2006">
               <mc:Choice xmlns:v="urn:schemas-microsoft-com:vml" Requires="v">
-                <p:oleObj spid="_x0000_s240699" name="Equation" r:id="rId6" imgW="2895600" imgH="1663700" progId="">
+                <p:oleObj spid="_x0000_s240711" name="Equation" r:id="rId6" imgW="2895600" imgH="1663700" progId="">
                   <p:embed/>
                 </p:oleObj>
               </mc:Choice>
@@ -36123,7 +36534,7 @@
           <a:graphicData uri="http://schemas.openxmlformats.org/presentationml/2006/ole">
             <mc:AlternateContent xmlns:mc="http://schemas.openxmlformats.org/markup-compatibility/2006">
               <mc:Choice xmlns:v="urn:schemas-microsoft-com:vml" Requires="v">
-                <p:oleObj spid="_x0000_s240700" name="公式" r:id="rId8" imgW="431640" imgH="228600" progId="Equation.3">
+                <p:oleObj spid="_x0000_s240712" name="公式" r:id="rId8" imgW="431640" imgH="228600" progId="Equation.3">
                   <p:embed/>
                 </p:oleObj>
               </mc:Choice>
@@ -36193,7 +36604,7 @@
           <a:graphicData uri="http://schemas.openxmlformats.org/presentationml/2006/ole">
             <mc:AlternateContent xmlns:mc="http://schemas.openxmlformats.org/markup-compatibility/2006">
               <mc:Choice xmlns:v="urn:schemas-microsoft-com:vml" Requires="v">
-                <p:oleObj spid="_x0000_s240701" name="公式" r:id="rId10" imgW="977760" imgH="228600" progId="Equation.3">
+                <p:oleObj spid="_x0000_s240713" name="公式" r:id="rId10" imgW="977760" imgH="228600" progId="Equation.3">
                   <p:embed/>
                 </p:oleObj>
               </mc:Choice>
@@ -36737,7 +37148,7 @@
           <a:graphicData uri="http://schemas.openxmlformats.org/presentationml/2006/ole">
             <mc:AlternateContent xmlns:mc="http://schemas.openxmlformats.org/markup-compatibility/2006">
               <mc:Choice xmlns:v="urn:schemas-microsoft-com:vml" Requires="v">
-                <p:oleObj spid="_x0000_s242720" name="Equation" r:id="rId4" imgW="3289300" imgH="279400" progId="">
+                <p:oleObj spid="_x0000_s242726" name="Equation" r:id="rId4" imgW="3289300" imgH="279400" progId="">
                   <p:embed/>
                 </p:oleObj>
               </mc:Choice>
@@ -36807,7 +37218,7 @@
           <a:graphicData uri="http://schemas.openxmlformats.org/presentationml/2006/ole">
             <mc:AlternateContent xmlns:mc="http://schemas.openxmlformats.org/markup-compatibility/2006">
               <mc:Choice xmlns:v="urn:schemas-microsoft-com:vml" Requires="v">
-                <p:oleObj spid="_x0000_s242721" name="公式" r:id="rId6" imgW="1041120" imgH="482400" progId="Equation.3">
+                <p:oleObj spid="_x0000_s242727" name="公式" r:id="rId6" imgW="1041120" imgH="482400" progId="Equation.3">
                   <p:embed/>
                 </p:oleObj>
               </mc:Choice>
@@ -37616,7 +38027,7 @@
           <a:graphicData uri="http://schemas.openxmlformats.org/presentationml/2006/ole">
             <mc:AlternateContent xmlns:mc="http://schemas.openxmlformats.org/markup-compatibility/2006">
               <mc:Choice xmlns:v="urn:schemas-microsoft-com:vml" Requires="v">
-                <p:oleObj spid="_x0000_s245806" name="Equation" r:id="rId4" imgW="190417" imgH="241195" progId="">
+                <p:oleObj spid="_x0000_s245815" name="Equation" r:id="rId4" imgW="190417" imgH="241195" progId="">
                   <p:embed/>
                 </p:oleObj>
               </mc:Choice>
@@ -37686,7 +38097,7 @@
           <a:graphicData uri="http://schemas.openxmlformats.org/presentationml/2006/ole">
             <mc:AlternateContent xmlns:mc="http://schemas.openxmlformats.org/markup-compatibility/2006">
               <mc:Choice xmlns:v="urn:schemas-microsoft-com:vml" Requires="v">
-                <p:oleObj spid="_x0000_s245807" name="Equation" r:id="rId6" imgW="190417" imgH="241195" progId="">
+                <p:oleObj spid="_x0000_s245816" name="Equation" r:id="rId6" imgW="190417" imgH="241195" progId="">
                   <p:embed/>
                 </p:oleObj>
               </mc:Choice>
@@ -37756,7 +38167,7 @@
           <a:graphicData uri="http://schemas.openxmlformats.org/presentationml/2006/ole">
             <mc:AlternateContent xmlns:mc="http://schemas.openxmlformats.org/markup-compatibility/2006">
               <mc:Choice xmlns:v="urn:schemas-microsoft-com:vml" Requires="v">
-                <p:oleObj spid="_x0000_s245808" name="Equation" r:id="rId7" imgW="190417" imgH="241195" progId="">
+                <p:oleObj spid="_x0000_s245817" name="Equation" r:id="rId7" imgW="190417" imgH="241195" progId="">
                   <p:embed/>
                 </p:oleObj>
               </mc:Choice>
@@ -44140,12 +44551,12 @@
           <a:graphicData uri="http://schemas.openxmlformats.org/presentationml/2006/ole">
             <mc:AlternateContent xmlns:mc="http://schemas.openxmlformats.org/markup-compatibility/2006">
               <mc:Choice xmlns:v="urn:schemas-microsoft-com:vml" Requires="v">
-                <p:oleObj spid="_x0000_s261152" name="Equation" r:id="rId3" imgW="2603500" imgH="965200" progId="">
+                <p:oleObj spid="_x0000_s261166" name="Equation" r:id="rId4" imgW="2603500" imgH="965200" progId="">
                   <p:embed/>
                 </p:oleObj>
               </mc:Choice>
               <mc:Fallback>
-                <p:oleObj name="Equation" r:id="rId3" imgW="2603500" imgH="965200" progId="">
+                <p:oleObj name="Equation" r:id="rId4" imgW="2603500" imgH="965200" progId="">
                   <p:embed/>
                   <p:pic>
                     <p:nvPicPr>
@@ -44156,7 +44567,7 @@
                       <p:nvPr/>
                     </p:nvPicPr>
                     <p:blipFill>
-                      <a:blip r:embed="rId4">
+                      <a:blip r:embed="rId5">
                         <a:extLst>
                           <a:ext uri="{28A0092B-C50C-407E-A947-70E740481C1C}">
                             <a14:useLocalDpi xmlns:a14="http://schemas.microsoft.com/office/drawing/2010/main" val="0"/>
@@ -44210,12 +44621,12 @@
           <a:graphicData uri="http://schemas.openxmlformats.org/presentationml/2006/ole">
             <mc:AlternateContent xmlns:mc="http://schemas.openxmlformats.org/markup-compatibility/2006">
               <mc:Choice xmlns:v="urn:schemas-microsoft-com:vml" Requires="v">
-                <p:oleObj spid="_x0000_s261153" name="公式" r:id="rId5" imgW="3962160" imgH="1422360" progId="Equation.3">
+                <p:oleObj spid="_x0000_s261167" name="公式" r:id="rId6" imgW="3962160" imgH="1422360" progId="Equation.3">
                   <p:embed/>
                 </p:oleObj>
               </mc:Choice>
               <mc:Fallback>
-                <p:oleObj name="公式" r:id="rId5" imgW="3962160" imgH="1422360" progId="Equation.3">
+                <p:oleObj name="公式" r:id="rId6" imgW="3962160" imgH="1422360" progId="Equation.3">
                   <p:embed/>
                   <p:pic>
                     <p:nvPicPr>
@@ -44226,7 +44637,7 @@
                       <p:nvPr/>
                     </p:nvPicPr>
                     <p:blipFill>
-                      <a:blip r:embed="rId6">
+                      <a:blip r:embed="rId7">
                         <a:extLst>
                           <a:ext uri="{28A0092B-C50C-407E-A947-70E740481C1C}">
                             <a14:useLocalDpi xmlns:a14="http://schemas.microsoft.com/office/drawing/2010/main" val="0"/>
@@ -45612,7 +46023,7 @@
           <p:nvPr/>
         </p:nvPicPr>
         <p:blipFill>
-          <a:blip r:embed="rId2" cstate="print"/>
+          <a:blip r:embed="rId3" cstate="print"/>
           <a:srcRect/>
           <a:stretch>
             <a:fillRect/>
@@ -45645,7 +46056,7 @@
           <p:nvPr/>
         </p:nvPicPr>
         <p:blipFill>
-          <a:blip r:embed="rId3" cstate="print"/>
+          <a:blip r:embed="rId4" cstate="print"/>
           <a:srcRect/>
           <a:stretch>
             <a:fillRect/>
@@ -45678,7 +46089,7 @@
           <p:nvPr/>
         </p:nvPicPr>
         <p:blipFill>
-          <a:blip r:embed="rId4" cstate="print"/>
+          <a:blip r:embed="rId5" cstate="print"/>
           <a:srcRect/>
           <a:stretch>
             <a:fillRect/>
@@ -45711,7 +46122,7 @@
           <p:nvPr/>
         </p:nvPicPr>
         <p:blipFill>
-          <a:blip r:embed="rId5" cstate="print"/>
+          <a:blip r:embed="rId6" cstate="print"/>
           <a:srcRect/>
           <a:stretch>
             <a:fillRect/>
@@ -45744,7 +46155,7 @@
           <p:nvPr/>
         </p:nvPicPr>
         <p:blipFill>
-          <a:blip r:embed="rId6" cstate="print"/>
+          <a:blip r:embed="rId7" cstate="print"/>
           <a:srcRect/>
           <a:stretch>
             <a:fillRect/>
@@ -50756,7 +51167,7 @@
           <a:graphicData uri="http://schemas.openxmlformats.org/presentationml/2006/ole">
             <mc:AlternateContent xmlns:mc="http://schemas.openxmlformats.org/markup-compatibility/2006">
               <mc:Choice xmlns:v="urn:schemas-microsoft-com:vml" Requires="v">
-                <p:oleObj spid="_x0000_s319505" name="Equation" r:id="rId4" imgW="3251200" imgH="2235200" progId="">
+                <p:oleObj spid="_x0000_s319508" name="Equation" r:id="rId4" imgW="3251200" imgH="2235200" progId="">
                   <p:embed/>
                 </p:oleObj>
               </mc:Choice>
